--- a/Types, coercion, comparisons/Types, coercion, equality.pptx
+++ b/Types, coercion, comparisons/Types, coercion, equality.pptx
@@ -6,7 +6,7 @@
     <p:sldMasterId id="2147483656" r:id="rId5"/>
   </p:sldMasterIdLst>
   <p:notesMasterIdLst>
-    <p:notesMasterId r:id="rId27"/>
+    <p:notesMasterId r:id="rId28"/>
   </p:notesMasterIdLst>
   <p:sldIdLst>
     <p:sldId id="259" r:id="rId6"/>
@@ -29,28 +29,29 @@
     <p:sldId id="288" r:id="rId23"/>
     <p:sldId id="295" r:id="rId24"/>
     <p:sldId id="296" r:id="rId25"/>
-    <p:sldId id="277" r:id="rId26"/>
+    <p:sldId id="297" r:id="rId26"/>
+    <p:sldId id="277" r:id="rId27"/>
   </p:sldIdLst>
   <p:sldSz cx="12192000" cy="6858000"/>
   <p:notesSz cx="6858000" cy="9144000"/>
   <p:embeddedFontLst>
     <p:embeddedFont>
       <p:font typeface="Calibri" panose="020F0502020204030204" pitchFamily="34" charset="0"/>
-      <p:regular r:id="rId28"/>
-      <p:bold r:id="rId29"/>
-      <p:italic r:id="rId30"/>
-      <p:boldItalic r:id="rId31"/>
+      <p:regular r:id="rId29"/>
+      <p:bold r:id="rId30"/>
+      <p:italic r:id="rId31"/>
+      <p:boldItalic r:id="rId32"/>
     </p:embeddedFont>
     <p:embeddedFont>
       <p:font typeface="Open Sans" panose="020B0604020202020204" charset="0"/>
-      <p:regular r:id="rId32"/>
-      <p:bold r:id="rId33"/>
-      <p:italic r:id="rId34"/>
-      <p:boldItalic r:id="rId35"/>
+      <p:regular r:id="rId33"/>
+      <p:bold r:id="rId34"/>
+      <p:italic r:id="rId35"/>
+      <p:boldItalic r:id="rId36"/>
     </p:embeddedFont>
     <p:embeddedFont>
       <p:font typeface="Proxima Nova Black" panose="020B0604020202020204" charset="0"/>
-      <p:bold r:id="rId36"/>
+      <p:bold r:id="rId37"/>
     </p:embeddedFont>
   </p:embeddedFontLst>
   <p:defaultTextStyle>
@@ -238,7 +239,7 @@
           <a:p>
             <a:fld id="{5E12B226-4697-4E25-ADDE-C6FE8397E913}" type="datetimeFigureOut">
               <a:rPr lang="uk-UA" smtClean="0"/>
-              <a:t>04.02.2020</a:t>
+              <a:t>05.02.2020</a:t>
             </a:fld>
             <a:endParaRPr lang="uk-UA"/>
           </a:p>
@@ -1458,6 +1459,90 @@
     <p:extLst>
       <p:ext uri="{BB962C8B-B14F-4D97-AF65-F5344CB8AC3E}">
         <p14:creationId xmlns:p14="http://schemas.microsoft.com/office/powerpoint/2010/main" val="4254760515"/>
+      </p:ext>
+    </p:extLst>
+  </p:cSld>
+  <p:clrMapOvr>
+    <a:masterClrMapping/>
+  </p:clrMapOvr>
+</p:notes>
+</file>
+
+<file path=ppt/notesSlides/notesSlide16.xml><?xml version="1.0" encoding="utf-8"?>
+<p:notes xmlns:a="http://schemas.openxmlformats.org/drawingml/2006/main" xmlns:r="http://schemas.openxmlformats.org/officeDocument/2006/relationships" xmlns:p="http://schemas.openxmlformats.org/presentationml/2006/main">
+  <p:cSld>
+    <p:spTree>
+      <p:nvGrpSpPr>
+        <p:cNvPr id="1" name=""/>
+        <p:cNvGrpSpPr/>
+        <p:nvPr/>
+      </p:nvGrpSpPr>
+      <p:grpSpPr>
+        <a:xfrm>
+          <a:off x="0" y="0"/>
+          <a:ext cx="0" cy="0"/>
+          <a:chOff x="0" y="0"/>
+          <a:chExt cx="0" cy="0"/>
+        </a:xfrm>
+      </p:grpSpPr>
+      <p:sp>
+        <p:nvSpPr>
+          <p:cNvPr id="2" name="Місце для зображення 1"/>
+          <p:cNvSpPr>
+            <a:spLocks noGrp="1" noRot="1" noChangeAspect="1"/>
+          </p:cNvSpPr>
+          <p:nvPr>
+            <p:ph type="sldImg"/>
+          </p:nvPr>
+        </p:nvSpPr>
+        <p:spPr/>
+      </p:sp>
+      <p:sp>
+        <p:nvSpPr>
+          <p:cNvPr id="3" name="Місце для нотаток 2"/>
+          <p:cNvSpPr>
+            <a:spLocks noGrp="1"/>
+          </p:cNvSpPr>
+          <p:nvPr>
+            <p:ph type="body" idx="1"/>
+          </p:nvPr>
+        </p:nvSpPr>
+        <p:spPr/>
+        <p:txBody>
+          <a:bodyPr/>
+          <a:lstStyle/>
+          <a:p>
+            <a:endParaRPr lang="uk-UA" dirty="0"/>
+          </a:p>
+        </p:txBody>
+      </p:sp>
+      <p:sp>
+        <p:nvSpPr>
+          <p:cNvPr id="4" name="Місце для номера слайда 3"/>
+          <p:cNvSpPr>
+            <a:spLocks noGrp="1"/>
+          </p:cNvSpPr>
+          <p:nvPr>
+            <p:ph type="sldNum" sz="quarter" idx="5"/>
+          </p:nvPr>
+        </p:nvSpPr>
+        <p:spPr/>
+        <p:txBody>
+          <a:bodyPr/>
+          <a:lstStyle/>
+          <a:p>
+            <a:fld id="{3CFC5616-A9DB-4DA7-BA12-2C1970CAD012}" type="slidenum">
+              <a:rPr lang="uk-UA" smtClean="0"/>
+              <a:t>21</a:t>
+            </a:fld>
+            <a:endParaRPr lang="uk-UA"/>
+          </a:p>
+        </p:txBody>
+      </p:sp>
+    </p:spTree>
+    <p:extLst>
+      <p:ext uri="{BB962C8B-B14F-4D97-AF65-F5344CB8AC3E}">
+        <p14:creationId xmlns:p14="http://schemas.microsoft.com/office/powerpoint/2010/main" val="4078219421"/>
       </p:ext>
     </p:extLst>
   </p:cSld>
@@ -15333,8 +15418,8 @@
         </p:nvSpPr>
         <p:spPr>
           <a:xfrm>
-            <a:off x="3749945" y="5173199"/>
-            <a:ext cx="6413211" cy="246525"/>
+            <a:off x="3749945" y="5107021"/>
+            <a:ext cx="6413211" cy="312703"/>
           </a:xfrm>
           <a:prstGeom prst="rect">
             <a:avLst/>
@@ -16741,6 +16826,156 @@
           <p:cNvPr id="2" name="Заголовок 1">
             <a:extLst>
               <a:ext uri="{FF2B5EF4-FFF2-40B4-BE49-F238E27FC236}">
+                <a16:creationId xmlns:a16="http://schemas.microsoft.com/office/drawing/2014/main" id="{B2BFA4D9-D0F9-4646-A0C1-2F42C070DC92}"/>
+              </a:ext>
+            </a:extLst>
+          </p:cNvPr>
+          <p:cNvSpPr>
+            <a:spLocks noGrp="1"/>
+          </p:cNvSpPr>
+          <p:nvPr>
+            <p:ph type="title"/>
+          </p:nvPr>
+        </p:nvSpPr>
+        <p:spPr/>
+        <p:txBody>
+          <a:bodyPr/>
+          <a:lstStyle/>
+          <a:p>
+            <a:r>
+              <a:rPr lang="en-US" b="1" dirty="0"/>
+              <a:t>USEFUL LINKS</a:t>
+            </a:r>
+          </a:p>
+        </p:txBody>
+      </p:sp>
+      <p:sp>
+        <p:nvSpPr>
+          <p:cNvPr id="3" name="Місце для тексту 2">
+            <a:extLst>
+              <a:ext uri="{FF2B5EF4-FFF2-40B4-BE49-F238E27FC236}">
+                <a16:creationId xmlns:a16="http://schemas.microsoft.com/office/drawing/2014/main" id="{EC823559-528A-486E-89B6-0764CC39CACA}"/>
+              </a:ext>
+            </a:extLst>
+          </p:cNvPr>
+          <p:cNvSpPr>
+            <a:spLocks noGrp="1"/>
+          </p:cNvSpPr>
+          <p:nvPr>
+            <p:ph type="body" sz="quarter" idx="10"/>
+          </p:nvPr>
+        </p:nvSpPr>
+        <p:spPr>
+          <a:xfrm>
+            <a:off x="685800" y="2057400"/>
+            <a:ext cx="10820400" cy="3429000"/>
+          </a:xfrm>
+        </p:spPr>
+        <p:txBody>
+          <a:bodyPr/>
+          <a:lstStyle/>
+          <a:p>
+            <a:pPr marL="342900" indent="-342900">
+              <a:buFont typeface="Arial" panose="020B0604020202020204" pitchFamily="34" charset="0"/>
+              <a:buChar char="•"/>
+            </a:pPr>
+            <a:r>
+              <a:rPr lang="en-US" dirty="0">
+                <a:hlinkClick r:id="rId3"/>
+              </a:rPr>
+              <a:t>https://www.freecodecamp.org/news/js-type-coercion-explained-27ba3d9a2839/</a:t>
+            </a:r>
+            <a:endParaRPr lang="en-US" dirty="0"/>
+          </a:p>
+          <a:p>
+            <a:pPr marL="342900" indent="-342900">
+              <a:buFont typeface="Arial" panose="020B0604020202020204" pitchFamily="34" charset="0"/>
+              <a:buChar char="•"/>
+            </a:pPr>
+            <a:r>
+              <a:rPr lang="en-US" dirty="0">
+                <a:hlinkClick r:id="rId4"/>
+              </a:rPr>
+              <a:t>https://medium.com/@sergeybulavyk/%D0%BF%D1%80%D0%B5%D0%BE%D0%B1%D1%80%D0%B0%D0%B7%D0%BE%D0%B2%D0%B0%D0%BD%D0%B8%D0%B5-%D1%82%D0%B8%D0%BF%D0%BE%D0%B2-%D0%B2-javascript-35a15ddfc333</a:t>
+            </a:r>
+            <a:endParaRPr lang="en-US" dirty="0"/>
+          </a:p>
+          <a:p>
+            <a:pPr marL="342900" indent="-342900">
+              <a:buFont typeface="Arial" panose="020B0604020202020204" pitchFamily="34" charset="0"/>
+              <a:buChar char="•"/>
+            </a:pPr>
+            <a:r>
+              <a:rPr lang="en-US" dirty="0">
+                <a:hlinkClick r:id="rId5"/>
+              </a:rPr>
+              <a:t>https://developer.mozilla.org/uk/docs/Web/JavaScript/Data_structures</a:t>
+            </a:r>
+            <a:endParaRPr lang="en-US" dirty="0"/>
+          </a:p>
+          <a:p>
+            <a:pPr marL="342900" indent="-342900">
+              <a:buFont typeface="Arial" panose="020B0604020202020204" pitchFamily="34" charset="0"/>
+              <a:buChar char="•"/>
+            </a:pPr>
+            <a:r>
+              <a:rPr lang="en-US" dirty="0">
+                <a:hlinkClick r:id="rId6"/>
+              </a:rPr>
+              <a:t>https://developer.mozilla.org/en-US/docs/Web/JavaScript/Equality_comparisons_and_sameness</a:t>
+            </a:r>
+            <a:endParaRPr lang="en-US" dirty="0"/>
+          </a:p>
+          <a:p>
+            <a:pPr marL="342900" indent="-342900">
+              <a:buFont typeface="Arial" panose="020B0604020202020204" pitchFamily="34" charset="0"/>
+              <a:buChar char="•"/>
+            </a:pPr>
+            <a:r>
+              <a:rPr lang="en-US" dirty="0">
+                <a:hlinkClick r:id="rId7"/>
+              </a:rPr>
+              <a:t>https://dorey.github.io/JavaScript-Equality-Table/</a:t>
+            </a:r>
+            <a:endParaRPr lang="en-US" dirty="0"/>
+          </a:p>
+        </p:txBody>
+      </p:sp>
+    </p:spTree>
+    <p:extLst>
+      <p:ext uri="{BB962C8B-B14F-4D97-AF65-F5344CB8AC3E}">
+        <p14:creationId xmlns:p14="http://schemas.microsoft.com/office/powerpoint/2010/main" val="3285938297"/>
+      </p:ext>
+    </p:extLst>
+  </p:cSld>
+  <p:clrMapOvr>
+    <a:masterClrMapping/>
+  </p:clrMapOvr>
+</p:sld>
+</file>
+
+<file path=ppt/slides/slide22.xml><?xml version="1.0" encoding="utf-8"?>
+<p:sld xmlns:a="http://schemas.openxmlformats.org/drawingml/2006/main" xmlns:r="http://schemas.openxmlformats.org/officeDocument/2006/relationships" xmlns:p="http://schemas.openxmlformats.org/presentationml/2006/main">
+  <p:cSld>
+    <p:spTree>
+      <p:nvGrpSpPr>
+        <p:cNvPr id="1" name=""/>
+        <p:cNvGrpSpPr/>
+        <p:nvPr/>
+      </p:nvGrpSpPr>
+      <p:grpSpPr>
+        <a:xfrm>
+          <a:off x="0" y="0"/>
+          <a:ext cx="0" cy="0"/>
+          <a:chOff x="0" y="0"/>
+          <a:chExt cx="0" cy="0"/>
+        </a:xfrm>
+      </p:grpSpPr>
+      <p:sp>
+        <p:nvSpPr>
+          <p:cNvPr id="2" name="Заголовок 1">
+            <a:extLst>
+              <a:ext uri="{FF2B5EF4-FFF2-40B4-BE49-F238E27FC236}">
                 <a16:creationId xmlns:a16="http://schemas.microsoft.com/office/drawing/2014/main" id="{1436C36D-AD15-4ACA-BEAA-CA92AED09E5D}"/>
               </a:ext>
             </a:extLst>
@@ -19272,20 +19507,20 @@
 </file>
 
 <file path=customXml/item1.xml><?xml version="1.0" encoding="utf-8"?>
-<p:properties xmlns:p="http://schemas.microsoft.com/office/2006/metadata/properties" xmlns:xsi="http://www.w3.org/2001/XMLSchema-instance" xmlns:pc="http://schemas.microsoft.com/office/infopath/2007/PartnerControls">
-  <documentManagement>
-    <_x041a__x043e__x043c__x0435__x0442__x0430__x0440_ xmlns="835f28f2-30f1-4728-84d2-86d96e143488" xsi:nil="true"/>
-  </documentManagement>
-</p:properties>
-</file>
-
-<file path=customXml/item2.xml><?xml version="1.0" encoding="utf-8"?>
 <?mso-contentType ?>
 <FormTemplates xmlns="http://schemas.microsoft.com/sharepoint/v3/contenttype/forms">
   <Display>DocumentLibraryForm</Display>
   <Edit>DocumentLibraryForm</Edit>
   <New>DocumentLibraryForm</New>
 </FormTemplates>
+</file>
+
+<file path=customXml/item2.xml><?xml version="1.0" encoding="utf-8"?>
+<p:properties xmlns:p="http://schemas.microsoft.com/office/2006/metadata/properties" xmlns:xsi="http://www.w3.org/2001/XMLSchema-instance" xmlns:pc="http://schemas.microsoft.com/office/infopath/2007/PartnerControls">
+  <documentManagement>
+    <_x041a__x043e__x043c__x0435__x0442__x0430__x0440_ xmlns="835f28f2-30f1-4728-84d2-86d96e143488" xsi:nil="true"/>
+  </documentManagement>
+</p:properties>
 </file>
 
 <file path=customXml/item3.xml><?xml version="1.0" encoding="utf-8"?>
@@ -19488,6 +19723,14 @@
 </file>
 
 <file path=customXml/itemProps1.xml><?xml version="1.0" encoding="utf-8"?>
+<ds:datastoreItem xmlns:ds="http://schemas.openxmlformats.org/officeDocument/2006/customXml" ds:itemID="{296B3B9E-03D8-4766-BF45-6129617CF026}">
+  <ds:schemaRefs>
+    <ds:schemaRef ds:uri="http://schemas.microsoft.com/sharepoint/v3/contenttype/forms"/>
+  </ds:schemaRefs>
+</ds:datastoreItem>
+</file>
+
+<file path=customXml/itemProps2.xml><?xml version="1.0" encoding="utf-8"?>
 <ds:datastoreItem xmlns:ds="http://schemas.openxmlformats.org/officeDocument/2006/customXml" ds:itemID="{B3A1340B-3A1B-4156-ADE3-51DF6C2C795D}">
   <ds:schemaRefs>
     <ds:schemaRef ds:uri="http://schemas.microsoft.com/office/2006/documentManagement/types"/>
@@ -19500,14 +19743,6 @@
     <ds:schemaRef ds:uri="http://schemas.openxmlformats.org/package/2006/metadata/core-properties"/>
     <ds:schemaRef ds:uri="http://schemas.microsoft.com/office/2006/metadata/properties"/>
     <ds:schemaRef ds:uri="http://www.w3.org/XML/1998/namespace"/>
-  </ds:schemaRefs>
-</ds:datastoreItem>
-</file>
-
-<file path=customXml/itemProps2.xml><?xml version="1.0" encoding="utf-8"?>
-<ds:datastoreItem xmlns:ds="http://schemas.openxmlformats.org/officeDocument/2006/customXml" ds:itemID="{296B3B9E-03D8-4766-BF45-6129617CF026}">
-  <ds:schemaRefs>
-    <ds:schemaRef ds:uri="http://schemas.microsoft.com/sharepoint/v3/contenttype/forms"/>
   </ds:schemaRefs>
 </ds:datastoreItem>
 </file>
